--- a/Long COVID RCT - Preliminary Analysis.pptx
+++ b/Long COVID RCT - Preliminary Analysis.pptx
@@ -277,7 +277,7 @@
           <a:p>
             <a:fld id="{A994839A-A544-440E-9198-6C022D05CEEE}" type="datetimeFigureOut">
               <a:rPr lang="en-US" smtClean="0"/>
-              <a:t>9/1/2025</a:t>
+              <a:t>9/2/2025</a:t>
             </a:fld>
             <a:endParaRPr lang="en-US"/>
           </a:p>
@@ -475,7 +475,7 @@
           <a:p>
             <a:fld id="{A994839A-A544-440E-9198-6C022D05CEEE}" type="datetimeFigureOut">
               <a:rPr lang="en-US" smtClean="0"/>
-              <a:t>9/1/2025</a:t>
+              <a:t>9/2/2025</a:t>
             </a:fld>
             <a:endParaRPr lang="en-US"/>
           </a:p>
@@ -683,7 +683,7 @@
           <a:p>
             <a:fld id="{A994839A-A544-440E-9198-6C022D05CEEE}" type="datetimeFigureOut">
               <a:rPr lang="en-US" smtClean="0"/>
-              <a:t>9/1/2025</a:t>
+              <a:t>9/2/2025</a:t>
             </a:fld>
             <a:endParaRPr lang="en-US"/>
           </a:p>
@@ -881,7 +881,7 @@
           <a:p>
             <a:fld id="{A994839A-A544-440E-9198-6C022D05CEEE}" type="datetimeFigureOut">
               <a:rPr lang="en-US" smtClean="0"/>
-              <a:t>9/1/2025</a:t>
+              <a:t>9/2/2025</a:t>
             </a:fld>
             <a:endParaRPr lang="en-US"/>
           </a:p>
@@ -1156,7 +1156,7 @@
           <a:p>
             <a:fld id="{A994839A-A544-440E-9198-6C022D05CEEE}" type="datetimeFigureOut">
               <a:rPr lang="en-US" smtClean="0"/>
-              <a:t>9/1/2025</a:t>
+              <a:t>9/2/2025</a:t>
             </a:fld>
             <a:endParaRPr lang="en-US"/>
           </a:p>
@@ -1421,7 +1421,7 @@
           <a:p>
             <a:fld id="{A994839A-A544-440E-9198-6C022D05CEEE}" type="datetimeFigureOut">
               <a:rPr lang="en-US" smtClean="0"/>
-              <a:t>9/1/2025</a:t>
+              <a:t>9/2/2025</a:t>
             </a:fld>
             <a:endParaRPr lang="en-US"/>
           </a:p>
@@ -1833,7 +1833,7 @@
           <a:p>
             <a:fld id="{A994839A-A544-440E-9198-6C022D05CEEE}" type="datetimeFigureOut">
               <a:rPr lang="en-US" smtClean="0"/>
-              <a:t>9/1/2025</a:t>
+              <a:t>9/2/2025</a:t>
             </a:fld>
             <a:endParaRPr lang="en-US"/>
           </a:p>
@@ -1974,7 +1974,7 @@
           <a:p>
             <a:fld id="{A994839A-A544-440E-9198-6C022D05CEEE}" type="datetimeFigureOut">
               <a:rPr lang="en-US" smtClean="0"/>
-              <a:t>9/1/2025</a:t>
+              <a:t>9/2/2025</a:t>
             </a:fld>
             <a:endParaRPr lang="en-US"/>
           </a:p>
@@ -2087,7 +2087,7 @@
           <a:p>
             <a:fld id="{A994839A-A544-440E-9198-6C022D05CEEE}" type="datetimeFigureOut">
               <a:rPr lang="en-US" smtClean="0"/>
-              <a:t>9/1/2025</a:t>
+              <a:t>9/2/2025</a:t>
             </a:fld>
             <a:endParaRPr lang="en-US"/>
           </a:p>
@@ -2398,7 +2398,7 @@
           <a:p>
             <a:fld id="{A994839A-A544-440E-9198-6C022D05CEEE}" type="datetimeFigureOut">
               <a:rPr lang="en-US" smtClean="0"/>
-              <a:t>9/1/2025</a:t>
+              <a:t>9/2/2025</a:t>
             </a:fld>
             <a:endParaRPr lang="en-US"/>
           </a:p>
@@ -2686,7 +2686,7 @@
           <a:p>
             <a:fld id="{A994839A-A544-440E-9198-6C022D05CEEE}" type="datetimeFigureOut">
               <a:rPr lang="en-US" smtClean="0"/>
-              <a:t>9/1/2025</a:t>
+              <a:t>9/2/2025</a:t>
             </a:fld>
             <a:endParaRPr lang="en-US"/>
           </a:p>
@@ -2927,7 +2927,7 @@
           <a:p>
             <a:fld id="{A994839A-A544-440E-9198-6C022D05CEEE}" type="datetimeFigureOut">
               <a:rPr lang="en-US" smtClean="0"/>
-              <a:t>9/1/2025</a:t>
+              <a:t>9/2/2025</a:t>
             </a:fld>
             <a:endParaRPr lang="en-US"/>
           </a:p>
@@ -8978,14 +8978,14 @@
           <p:nvPr>
             <p:extLst>
               <p:ext uri="{D42A27DB-BD31-4B8C-83A1-F6EECF244321}">
-                <p14:modId xmlns:p14="http://schemas.microsoft.com/office/powerpoint/2010/main" val="121195243"/>
+                <p14:modId xmlns:p14="http://schemas.microsoft.com/office/powerpoint/2010/main" val="659909846"/>
               </p:ext>
             </p:extLst>
           </p:nvPr>
         </p:nvGraphicFramePr>
         <p:xfrm>
           <a:off x="5785724" y="1055915"/>
-          <a:ext cx="6044666" cy="1828800"/>
+          <a:ext cx="6044666" cy="2194560"/>
         </p:xfrm>
         <a:graphic>
           <a:graphicData uri="http://schemas.openxmlformats.org/drawingml/2006/table">
@@ -9128,7 +9128,7 @@
                           <a:effectLst/>
                           <a:latin typeface="Liberation Sans" panose="020B0604020202020204" pitchFamily="34" charset="0"/>
                         </a:rPr>
-                        <a:t>(0.2, -0.56</a:t>
+                        <a:t>(0.2, -0.56)</a:t>
                       </a:r>
                     </a:p>
                   </a:txBody>
@@ -9211,7 +9211,7 @@
                           <a:effectLst/>
                           <a:latin typeface="Liberation Sans" panose="020B0604020202020204" pitchFamily="34" charset="0"/>
                         </a:rPr>
-                        <a:t>(0.04, -2.0</a:t>
+                        <a:t>(0.04, -2.0)</a:t>
                       </a:r>
                     </a:p>
                   </a:txBody>
@@ -9377,7 +9377,7 @@
                           <a:effectLst/>
                           <a:latin typeface="Liberation Sans" panose="020B0604020202020204" pitchFamily="34" charset="0"/>
                         </a:rPr>
-                        <a:t>(-6.6, -0.0</a:t>
+                        <a:t>(-6.6, -0.0)</a:t>
                       </a:r>
                     </a:p>
                   </a:txBody>
@@ -9405,6 +9405,89 @@
                 <a:extLst>
                   <a:ext uri="{0D108BD9-81ED-4DB2-BD59-A6C34878D82A}">
                     <a16:rowId xmlns:a16="http://schemas.microsoft.com/office/drawing/2014/main" val="1318534015"/>
+                  </a:ext>
+                </a:extLst>
+              </a:tr>
+              <a:tr h="339392">
+                <a:tc>
+                  <a:txBody>
+                    <a:bodyPr/>
+                    <a:lstStyle/>
+                    <a:p>
+                      <a:pPr algn="l">
+                        <a:buNone/>
+                      </a:pPr>
+                      <a:r>
+                        <a:rPr lang="en-US" dirty="0">
+                          <a:effectLst/>
+                          <a:latin typeface="Liberation Sans" panose="020B0604020202020204" pitchFamily="34" charset="0"/>
+                        </a:rPr>
+                        <a:t>Sleep</a:t>
+                      </a:r>
+                    </a:p>
+                  </a:txBody>
+                  <a:tcPr anchor="ctr"/>
+                </a:tc>
+                <a:tc>
+                  <a:txBody>
+                    <a:bodyPr/>
+                    <a:lstStyle/>
+                    <a:p>
+                      <a:pPr algn="r">
+                        <a:buNone/>
+                      </a:pPr>
+                      <a:r>
+                        <a:rPr lang="en-US" dirty="0">
+                          <a:effectLst/>
+                          <a:latin typeface="Liberation Sans" panose="020B0604020202020204" pitchFamily="34" charset="0"/>
+                        </a:rPr>
+                        <a:t>-0.8</a:t>
+                      </a:r>
+                    </a:p>
+                  </a:txBody>
+                  <a:tcPr anchor="ctr"/>
+                </a:tc>
+                <a:tc>
+                  <a:txBody>
+                    <a:bodyPr/>
+                    <a:lstStyle/>
+                    <a:p>
+                      <a:pPr algn="r">
+                        <a:buNone/>
+                      </a:pPr>
+                      <a:r>
+                        <a:rPr lang="en-US" dirty="0">
+                          <a:effectLst/>
+                          <a:latin typeface="Liberation Sans" panose="020B0604020202020204" pitchFamily="34" charset="0"/>
+                        </a:rPr>
+                        <a:t>(-2.6, 0.6)</a:t>
+                      </a:r>
+                    </a:p>
+                  </a:txBody>
+                  <a:tcPr anchor="ctr"/>
+                </a:tc>
+                <a:tc>
+                  <a:txBody>
+                    <a:bodyPr/>
+                    <a:lstStyle/>
+                    <a:p>
+                      <a:pPr algn="r">
+                        <a:buNone/>
+                      </a:pPr>
+                      <a:r>
+                        <a:rPr lang="en-US" dirty="0">
+                          <a:effectLst/>
+                          <a:latin typeface="Liberation Sans" panose="020B0604020202020204" pitchFamily="34" charset="0"/>
+                        </a:rPr>
+                        <a:t>0.3</a:t>
+                      </a:r>
+                    </a:p>
+                  </a:txBody>
+                  <a:tcPr anchor="ctr"/>
+                </a:tc>
+                <a:extLst>
+                  <a:ext uri="{0D108BD9-81ED-4DB2-BD59-A6C34878D82A}">
+                    <a16:rowId xmlns:a16="http://schemas.microsoft.com/office/drawing/2014/main" val="2288370614"/>
                   </a:ext>
                 </a:extLst>
               </a:tr>

--- a/Long COVID RCT - Preliminary Analysis.pptx
+++ b/Long COVID RCT - Preliminary Analysis.pptx
@@ -277,7 +277,7 @@
           <a:p>
             <a:fld id="{A994839A-A544-440E-9198-6C022D05CEEE}" type="datetimeFigureOut">
               <a:rPr lang="en-US" smtClean="0"/>
-              <a:t>9/2/2025</a:t>
+              <a:t>10/14/2025</a:t>
             </a:fld>
             <a:endParaRPr lang="en-US"/>
           </a:p>
@@ -475,7 +475,7 @@
           <a:p>
             <a:fld id="{A994839A-A544-440E-9198-6C022D05CEEE}" type="datetimeFigureOut">
               <a:rPr lang="en-US" smtClean="0"/>
-              <a:t>9/2/2025</a:t>
+              <a:t>10/14/2025</a:t>
             </a:fld>
             <a:endParaRPr lang="en-US"/>
           </a:p>
@@ -683,7 +683,7 @@
           <a:p>
             <a:fld id="{A994839A-A544-440E-9198-6C022D05CEEE}" type="datetimeFigureOut">
               <a:rPr lang="en-US" smtClean="0"/>
-              <a:t>9/2/2025</a:t>
+              <a:t>10/14/2025</a:t>
             </a:fld>
             <a:endParaRPr lang="en-US"/>
           </a:p>
@@ -881,7 +881,7 @@
           <a:p>
             <a:fld id="{A994839A-A544-440E-9198-6C022D05CEEE}" type="datetimeFigureOut">
               <a:rPr lang="en-US" smtClean="0"/>
-              <a:t>9/2/2025</a:t>
+              <a:t>10/14/2025</a:t>
             </a:fld>
             <a:endParaRPr lang="en-US"/>
           </a:p>
@@ -1156,7 +1156,7 @@
           <a:p>
             <a:fld id="{A994839A-A544-440E-9198-6C022D05CEEE}" type="datetimeFigureOut">
               <a:rPr lang="en-US" smtClean="0"/>
-              <a:t>9/2/2025</a:t>
+              <a:t>10/14/2025</a:t>
             </a:fld>
             <a:endParaRPr lang="en-US"/>
           </a:p>
@@ -1421,7 +1421,7 @@
           <a:p>
             <a:fld id="{A994839A-A544-440E-9198-6C022D05CEEE}" type="datetimeFigureOut">
               <a:rPr lang="en-US" smtClean="0"/>
-              <a:t>9/2/2025</a:t>
+              <a:t>10/14/2025</a:t>
             </a:fld>
             <a:endParaRPr lang="en-US"/>
           </a:p>
@@ -1833,7 +1833,7 @@
           <a:p>
             <a:fld id="{A994839A-A544-440E-9198-6C022D05CEEE}" type="datetimeFigureOut">
               <a:rPr lang="en-US" smtClean="0"/>
-              <a:t>9/2/2025</a:t>
+              <a:t>10/14/2025</a:t>
             </a:fld>
             <a:endParaRPr lang="en-US"/>
           </a:p>
@@ -1974,7 +1974,7 @@
           <a:p>
             <a:fld id="{A994839A-A544-440E-9198-6C022D05CEEE}" type="datetimeFigureOut">
               <a:rPr lang="en-US" smtClean="0"/>
-              <a:t>9/2/2025</a:t>
+              <a:t>10/14/2025</a:t>
             </a:fld>
             <a:endParaRPr lang="en-US"/>
           </a:p>
@@ -2087,7 +2087,7 @@
           <a:p>
             <a:fld id="{A994839A-A544-440E-9198-6C022D05CEEE}" type="datetimeFigureOut">
               <a:rPr lang="en-US" smtClean="0"/>
-              <a:t>9/2/2025</a:t>
+              <a:t>10/14/2025</a:t>
             </a:fld>
             <a:endParaRPr lang="en-US"/>
           </a:p>
@@ -2398,7 +2398,7 @@
           <a:p>
             <a:fld id="{A994839A-A544-440E-9198-6C022D05CEEE}" type="datetimeFigureOut">
               <a:rPr lang="en-US" smtClean="0"/>
-              <a:t>9/2/2025</a:t>
+              <a:t>10/14/2025</a:t>
             </a:fld>
             <a:endParaRPr lang="en-US"/>
           </a:p>
@@ -2686,7 +2686,7 @@
           <a:p>
             <a:fld id="{A994839A-A544-440E-9198-6C022D05CEEE}" type="datetimeFigureOut">
               <a:rPr lang="en-US" smtClean="0"/>
-              <a:t>9/2/2025</a:t>
+              <a:t>10/14/2025</a:t>
             </a:fld>
             <a:endParaRPr lang="en-US"/>
           </a:p>
@@ -2927,7 +2927,7 @@
           <a:p>
             <a:fld id="{A994839A-A544-440E-9198-6C022D05CEEE}" type="datetimeFigureOut">
               <a:rPr lang="en-US" smtClean="0"/>
-              <a:t>9/2/2025</a:t>
+              <a:t>10/14/2025</a:t>
             </a:fld>
             <a:endParaRPr lang="en-US"/>
           </a:p>
@@ -6075,7 +6075,7 @@
         </p:blipFill>
         <p:spPr>
           <a:xfrm>
-            <a:off x="861461" y="1279072"/>
+            <a:off x="132118" y="1279072"/>
             <a:ext cx="6007768" cy="4505826"/>
           </a:xfrm>
           <a:prstGeom prst="rect">
